--- a/ch.bfh.btx8081.w2013.red/doc/PraesentationSETaskII_BFH_2013.pptx
+++ b/ch.bfh.btx8081.w2013.red/doc/PraesentationSETaskII_BFH_2013.pptx
@@ -6761,9 +6761,16 @@
               <a:rPr lang="de-DE" sz="2200" b="1" dirty="0"/>
               <a:t>Pro agile </a:t>
             </a:r>
+            <a:endParaRPr lang="de-DE" sz="2200" b="1" dirty="0" smtClean="0"/>
+          </a:p>
+          <a:p>
+            <a:pPr marL="0" indent="0">
+              <a:buNone/>
+            </a:pPr>
             <a:endParaRPr lang="de-DE" sz="2200" dirty="0"/>
           </a:p>
           <a:p>
+            <a:pPr lvl="1"/>
             <a:r>
               <a:rPr lang="de-DE" sz="2200" dirty="0" err="1"/>
               <a:t>Since</a:t>
@@ -6869,15 +6876,132 @@
               <a:t> </a:t>
             </a:r>
             <a:r>
-              <a:rPr lang="de-DE" sz="2200" dirty="0" err="1"/>
+              <a:rPr lang="de-DE" sz="2200" dirty="0" err="1" smtClean="0"/>
               <a:t>need</a:t>
             </a:r>
             <a:r>
-              <a:rPr lang="de-DE" sz="2200" dirty="0"/>
-              <a:t> </a:t>
-            </a:r>
-          </a:p>
-          <a:p>
+              <a:rPr lang="de-DE" sz="2200" dirty="0" smtClean="0"/>
+              <a:t>	 </a:t>
+            </a:r>
+            <a:endParaRPr lang="de-DE" sz="2200" dirty="0"/>
+          </a:p>
+          <a:p>
+            <a:pPr lvl="1"/>
+            <a:r>
+              <a:rPr lang="de-DE" sz="2200" dirty="0" err="1" smtClean="0"/>
+              <a:t>use</a:t>
+            </a:r>
+            <a:r>
+              <a:rPr lang="de-DE" sz="2200" dirty="0" smtClean="0"/>
+              <a:t> </a:t>
+            </a:r>
+            <a:r>
+              <a:rPr lang="de-DE" sz="2200" dirty="0" err="1"/>
+              <a:t>good</a:t>
+            </a:r>
+            <a:r>
+              <a:rPr lang="de-DE" sz="2200" dirty="0"/>
+              <a:t> </a:t>
+            </a:r>
+            <a:r>
+              <a:rPr lang="de-DE" sz="2200" dirty="0" err="1"/>
+              <a:t>tools</a:t>
+            </a:r>
+            <a:r>
+              <a:rPr lang="de-DE" sz="2200" dirty="0"/>
+              <a:t> </a:t>
+            </a:r>
+            <a:r>
+              <a:rPr lang="de-DE" sz="2200" dirty="0" err="1"/>
+              <a:t>to</a:t>
+            </a:r>
+            <a:r>
+              <a:rPr lang="de-DE" sz="2200" dirty="0"/>
+              <a:t> </a:t>
+            </a:r>
+            <a:r>
+              <a:rPr lang="de-DE" sz="2200" dirty="0" err="1"/>
+              <a:t>support</a:t>
+            </a:r>
+            <a:r>
+              <a:rPr lang="de-DE" sz="2200" dirty="0"/>
+              <a:t> </a:t>
+            </a:r>
+            <a:r>
+              <a:rPr lang="de-DE" sz="2200" dirty="0" err="1"/>
+              <a:t>system</a:t>
+            </a:r>
+            <a:r>
+              <a:rPr lang="de-DE" sz="2200" dirty="0"/>
+              <a:t> </a:t>
+            </a:r>
+            <a:r>
+              <a:rPr lang="de-DE" sz="2200" dirty="0" err="1" smtClean="0"/>
+              <a:t>development</a:t>
+            </a:r>
+            <a:endParaRPr lang="de-DE" sz="2200" dirty="0"/>
+          </a:p>
+          <a:p>
+            <a:pPr lvl="1"/>
+            <a:r>
+              <a:rPr lang="de-DE" sz="2200" dirty="0"/>
+              <a:t>Medium – </a:t>
+            </a:r>
+            <a:r>
+              <a:rPr lang="de-DE" sz="2200" dirty="0" err="1"/>
+              <a:t>size</a:t>
+            </a:r>
+            <a:r>
+              <a:rPr lang="de-DE" sz="2200" dirty="0"/>
+              <a:t> </a:t>
+            </a:r>
+            <a:r>
+              <a:rPr lang="de-DE" sz="2200" dirty="0" err="1"/>
+              <a:t>software</a:t>
+            </a:r>
+            <a:r>
+              <a:rPr lang="de-DE" sz="2200" dirty="0"/>
+              <a:t> </a:t>
+            </a:r>
+            <a:r>
+              <a:rPr lang="de-DE" sz="2200" dirty="0" err="1"/>
+              <a:t>project</a:t>
+            </a:r>
+            <a:r>
+              <a:rPr lang="de-DE" sz="2200" dirty="0"/>
+              <a:t> </a:t>
+            </a:r>
+          </a:p>
+          <a:p>
+            <a:pPr lvl="1"/>
+            <a:r>
+              <a:rPr lang="de-DE" sz="2200" dirty="0"/>
+              <a:t>The </a:t>
+            </a:r>
+            <a:r>
+              <a:rPr lang="de-DE" sz="2200" dirty="0" err="1"/>
+              <a:t>team</a:t>
+            </a:r>
+            <a:r>
+              <a:rPr lang="de-DE" sz="2200" dirty="0"/>
+              <a:t> </a:t>
+            </a:r>
+            <a:r>
+              <a:rPr lang="de-DE" sz="2200" dirty="0" err="1"/>
+              <a:t>is</a:t>
+            </a:r>
+            <a:r>
+              <a:rPr lang="de-DE" sz="2200" dirty="0"/>
+              <a:t> </a:t>
+            </a:r>
+            <a:r>
+              <a:rPr lang="de-DE" sz="2200" dirty="0" err="1"/>
+              <a:t>small</a:t>
+            </a:r>
+            <a:r>
+              <a:rPr lang="de-DE" sz="2200" dirty="0"/>
+              <a:t> </a:t>
+            </a:r>
             <a:r>
               <a:rPr lang="de-DE" sz="2200" dirty="0" err="1"/>
               <a:t>and</a:t>
@@ -6888,39 +7012,15 @@
             </a:r>
             <a:r>
               <a:rPr lang="de-DE" sz="2200" dirty="0" err="1"/>
-              <a:t>of</a:t>
-            </a:r>
-            <a:r>
-              <a:rPr lang="de-DE" sz="2200" dirty="0"/>
-              <a:t> </a:t>
-            </a:r>
-            <a:r>
-              <a:rPr lang="de-DE" sz="2200" dirty="0" err="1"/>
-              <a:t>course</a:t>
-            </a:r>
-            <a:r>
-              <a:rPr lang="de-DE" sz="2200" dirty="0"/>
-              <a:t> </a:t>
-            </a:r>
-            <a:r>
-              <a:rPr lang="de-DE" sz="2200" dirty="0" err="1"/>
-              <a:t>use</a:t>
-            </a:r>
-            <a:r>
-              <a:rPr lang="de-DE" sz="2200" dirty="0"/>
-              <a:t> </a:t>
-            </a:r>
-            <a:r>
-              <a:rPr lang="de-DE" sz="2200" dirty="0" err="1"/>
-              <a:t>good</a:t>
-            </a:r>
-            <a:r>
-              <a:rPr lang="de-DE" sz="2200" dirty="0"/>
-              <a:t> </a:t>
-            </a:r>
-            <a:r>
-              <a:rPr lang="de-DE" sz="2200" dirty="0" err="1"/>
-              <a:t>tools</a:t>
+              <a:t>is</a:t>
+            </a:r>
+            <a:r>
+              <a:rPr lang="de-DE" sz="2200" dirty="0"/>
+              <a:t> </a:t>
+            </a:r>
+            <a:r>
+              <a:rPr lang="de-DE" sz="2200" dirty="0" err="1"/>
+              <a:t>able</a:t>
             </a:r>
             <a:r>
               <a:rPr lang="de-DE" sz="2200" dirty="0"/>
@@ -6936,83 +7036,15 @@
             </a:r>
             <a:r>
               <a:rPr lang="de-DE" sz="2200" dirty="0" err="1"/>
-              <a:t>support</a:t>
-            </a:r>
-            <a:r>
-              <a:rPr lang="de-DE" sz="2200" dirty="0"/>
-              <a:t> </a:t>
-            </a:r>
-            <a:r>
-              <a:rPr lang="de-DE" sz="2200" dirty="0" err="1"/>
-              <a:t>system</a:t>
-            </a:r>
-            <a:r>
-              <a:rPr lang="de-DE" sz="2200" dirty="0"/>
-              <a:t> </a:t>
-            </a:r>
-            <a:r>
-              <a:rPr lang="de-DE" sz="2200" dirty="0" err="1"/>
-              <a:t>development</a:t>
-            </a:r>
-            <a:r>
-              <a:rPr lang="de-DE" sz="2200" dirty="0"/>
-              <a:t>. </a:t>
-            </a:r>
-          </a:p>
-          <a:p>
-            <a:r>
-              <a:rPr lang="de-DE" sz="2200" dirty="0"/>
-              <a:t>Medium – </a:t>
-            </a:r>
-            <a:r>
-              <a:rPr lang="de-DE" sz="2200" dirty="0" err="1"/>
-              <a:t>size</a:t>
-            </a:r>
-            <a:r>
-              <a:rPr lang="de-DE" sz="2200" dirty="0"/>
-              <a:t> </a:t>
-            </a:r>
-            <a:r>
-              <a:rPr lang="de-DE" sz="2200" dirty="0" err="1"/>
-              <a:t>software</a:t>
-            </a:r>
-            <a:r>
-              <a:rPr lang="de-DE" sz="2200" dirty="0"/>
-              <a:t> </a:t>
-            </a:r>
-            <a:r>
-              <a:rPr lang="de-DE" sz="2200" dirty="0" err="1"/>
-              <a:t>project</a:t>
-            </a:r>
-            <a:r>
-              <a:rPr lang="de-DE" sz="2200" dirty="0"/>
-              <a:t> </a:t>
-            </a:r>
-          </a:p>
-          <a:p>
-            <a:r>
-              <a:rPr lang="de-DE" sz="2200" dirty="0"/>
-              <a:t>The </a:t>
-            </a:r>
-            <a:r>
-              <a:rPr lang="de-DE" sz="2200" dirty="0" err="1"/>
-              <a:t>team</a:t>
-            </a:r>
-            <a:r>
-              <a:rPr lang="de-DE" sz="2200" dirty="0"/>
-              <a:t> </a:t>
-            </a:r>
-            <a:r>
-              <a:rPr lang="de-DE" sz="2200" dirty="0" err="1"/>
-              <a:t>is</a:t>
-            </a:r>
-            <a:r>
-              <a:rPr lang="de-DE" sz="2200" dirty="0"/>
-              <a:t> </a:t>
-            </a:r>
-            <a:r>
-              <a:rPr lang="de-DE" sz="2200" dirty="0" err="1"/>
-              <a:t>small</a:t>
+              <a:t>communicate</a:t>
+            </a:r>
+            <a:r>
+              <a:rPr lang="de-DE" sz="2200" dirty="0"/>
+              <a:t> </a:t>
+            </a:r>
+            <a:r>
+              <a:rPr lang="de-DE" sz="2200" dirty="0" err="1"/>
+              <a:t>well</a:t>
             </a:r>
             <a:r>
               <a:rPr lang="de-DE" sz="2200" dirty="0"/>
@@ -7027,53 +7059,10 @@
               <a:t> </a:t>
             </a:r>
             <a:r>
-              <a:rPr lang="de-DE" sz="2200" dirty="0" err="1"/>
-              <a:t>is</a:t>
-            </a:r>
-            <a:r>
-              <a:rPr lang="de-DE" sz="2200" dirty="0"/>
-              <a:t> </a:t>
-            </a:r>
-            <a:r>
-              <a:rPr lang="de-DE" sz="2200" dirty="0" err="1"/>
-              <a:t>able</a:t>
-            </a:r>
-            <a:r>
-              <a:rPr lang="de-DE" sz="2200" dirty="0"/>
-              <a:t> </a:t>
-            </a:r>
-            <a:r>
-              <a:rPr lang="de-DE" sz="2200" dirty="0" err="1"/>
-              <a:t>to</a:t>
-            </a:r>
-            <a:r>
-              <a:rPr lang="de-DE" sz="2200" dirty="0"/>
-              <a:t> </a:t>
-            </a:r>
-            <a:r>
-              <a:rPr lang="de-DE" sz="2200" dirty="0" err="1"/>
-              <a:t>communicate</a:t>
-            </a:r>
-            <a:r>
-              <a:rPr lang="de-DE" sz="2200" dirty="0"/>
-              <a:t> </a:t>
-            </a:r>
-            <a:r>
-              <a:rPr lang="de-DE" sz="2200" dirty="0" err="1"/>
-              <a:t>well</a:t>
-            </a:r>
-            <a:r>
-              <a:rPr lang="de-DE" sz="2200" dirty="0"/>
-              <a:t> </a:t>
-            </a:r>
-            <a:r>
-              <a:rPr lang="de-DE" sz="2200" dirty="0" err="1"/>
-              <a:t>and</a:t>
-            </a:r>
-            <a:r>
-              <a:rPr lang="de-DE" sz="2200" dirty="0"/>
-              <a:t> easy. </a:t>
-            </a:r>
+              <a:rPr lang="de-DE" sz="2200" dirty="0" smtClean="0"/>
+              <a:t>easy</a:t>
+            </a:r>
+            <a:endParaRPr lang="de-DE" sz="2200" dirty="0"/>
           </a:p>
           <a:p>
             <a:pPr marL="0" indent="0">
@@ -7106,15 +7095,11 @@
           <a:p>
             <a:pPr algn="ctr"/>
             <a:r>
-              <a:rPr lang="de-DE" sz="2200" b="1" dirty="0"/>
-              <a:t>1. </a:t>
-            </a:r>
-            <a:r>
-              <a:rPr lang="de-DE" sz="2200" b="1" dirty="0" err="1"/>
+              <a:rPr lang="de-DE" sz="2200" b="1" dirty="0" err="1" smtClean="0"/>
               <a:t>Decide</a:t>
             </a:r>
             <a:r>
-              <a:rPr lang="de-DE" sz="2200" b="1" dirty="0"/>
+              <a:rPr lang="de-DE" sz="2200" b="1" dirty="0" smtClean="0"/>
               <a:t> </a:t>
             </a:r>
             <a:r>
@@ -7344,17 +7329,15 @@
               <a:rPr lang="de-DE" sz="2200" dirty="0"/>
               <a:t> </a:t>
             </a:r>
-          </a:p>
-          <a:p>
-            <a:pPr lvl="1"/>
-            <a:r>
-              <a:rPr lang="de-DE" sz="2200" dirty="0" err="1"/>
+            <a:r>
+              <a:rPr lang="de-DE" sz="2200" dirty="0" err="1" smtClean="0"/>
               <a:t>implementation</a:t>
             </a:r>
             <a:r>
-              <a:rPr lang="de-DE" sz="2200" dirty="0"/>
-              <a:t>. </a:t>
-            </a:r>
+              <a:rPr lang="de-DE" sz="2200" dirty="0" smtClean="0"/>
+              <a:t> </a:t>
+            </a:r>
+            <a:endParaRPr lang="de-DE" sz="2200" dirty="0"/>
           </a:p>
           <a:p>
             <a:pPr lvl="1"/>
@@ -7628,15 +7611,11 @@
           <a:p>
             <a:pPr algn="ctr"/>
             <a:r>
-              <a:rPr lang="de-DE" sz="2200" b="1" dirty="0"/>
-              <a:t>1. </a:t>
-            </a:r>
-            <a:r>
-              <a:rPr lang="de-DE" sz="2200" b="1" dirty="0" err="1"/>
+              <a:rPr lang="de-DE" sz="2200" b="1" dirty="0" err="1" smtClean="0"/>
               <a:t>Decide</a:t>
             </a:r>
             <a:r>
-              <a:rPr lang="de-DE" sz="2200" b="1" dirty="0"/>
+              <a:rPr lang="de-DE" sz="2200" b="1" dirty="0" smtClean="0"/>
               <a:t> </a:t>
             </a:r>
             <a:r>
@@ -7792,15 +7771,15 @@
           <a:p>
             <a:pPr algn="ctr"/>
             <a:r>
-              <a:rPr lang="de-DE" sz="2200" b="1" dirty="0"/>
-              <a:t>A </a:t>
-            </a:r>
-            <a:r>
               <a:rPr lang="de-DE" sz="2200" b="1" dirty="0" err="1"/>
-              <a:t>process</a:t>
-            </a:r>
-            <a:r>
-              <a:rPr lang="de-DE" sz="2200" b="1" dirty="0"/>
+              <a:t>P</a:t>
+            </a:r>
+            <a:r>
+              <a:rPr lang="de-DE" sz="2200" b="1" dirty="0" err="1" smtClean="0"/>
+              <a:t>rocess</a:t>
+            </a:r>
+            <a:r>
+              <a:rPr lang="de-DE" sz="2200" b="1" dirty="0" smtClean="0"/>
               <a:t> </a:t>
             </a:r>
             <a:r>
@@ -8114,23 +8093,137 @@
               <a:t> </a:t>
             </a:r>
             <a:r>
-              <a:rPr lang="de-DE" sz="2200" dirty="0" err="1"/>
+              <a:rPr lang="de-DE" sz="2200" dirty="0" err="1" smtClean="0"/>
               <a:t>specification</a:t>
             </a:r>
+            <a:endParaRPr lang="de-DE" sz="2200" dirty="0"/>
+          </a:p>
+          <a:p>
+            <a:r>
+              <a:rPr lang="de-DE" sz="2200" dirty="0" smtClean="0"/>
+              <a:t>This </a:t>
+            </a:r>
+            <a:r>
+              <a:rPr lang="de-DE" sz="2200" dirty="0" err="1"/>
+              <a:t>document</a:t>
+            </a:r>
+            <a:r>
+              <a:rPr lang="de-DE" sz="2200" dirty="0"/>
+              <a:t> </a:t>
+            </a:r>
+            <a:r>
+              <a:rPr lang="de-DE" sz="2200" dirty="0" err="1"/>
+              <a:t>is</a:t>
+            </a:r>
+            <a:r>
+              <a:rPr lang="de-DE" sz="2200" dirty="0"/>
+              <a:t> </a:t>
+            </a:r>
+            <a:r>
+              <a:rPr lang="de-DE" sz="2200" dirty="0" err="1"/>
+              <a:t>required</a:t>
+            </a:r>
+            <a:r>
+              <a:rPr lang="de-DE" sz="2200" dirty="0"/>
+              <a:t> </a:t>
+            </a:r>
+            <a:r>
+              <a:rPr lang="de-DE" sz="2200" dirty="0" err="1"/>
+              <a:t>to</a:t>
+            </a:r>
+            <a:r>
+              <a:rPr lang="de-DE" sz="2200" dirty="0"/>
+              <a:t> </a:t>
+            </a:r>
+            <a:r>
+              <a:rPr lang="de-DE" sz="2200" dirty="0" err="1"/>
+              <a:t>start</a:t>
+            </a:r>
+            <a:r>
+              <a:rPr lang="de-DE" sz="2200" dirty="0"/>
+              <a:t> </a:t>
+            </a:r>
+            <a:r>
+              <a:rPr lang="de-DE" sz="2200" dirty="0" err="1"/>
+              <a:t>developing</a:t>
+            </a:r>
+            <a:r>
+              <a:rPr lang="de-DE" sz="2200" dirty="0"/>
+              <a:t> a </a:t>
+            </a:r>
+            <a:r>
+              <a:rPr lang="de-DE" sz="2200" dirty="0" err="1"/>
+              <a:t>product</a:t>
+            </a:r>
+            <a:r>
+              <a:rPr lang="de-DE" sz="2200" dirty="0"/>
+              <a:t>. </a:t>
+            </a:r>
+            <a:endParaRPr lang="de-DE" sz="2200" dirty="0" smtClean="0"/>
+          </a:p>
+          <a:p>
+            <a:r>
+              <a:rPr lang="de-DE" sz="2200" dirty="0" smtClean="0"/>
+              <a:t>After </a:t>
+            </a:r>
+            <a:r>
+              <a:rPr lang="de-DE" sz="2200" dirty="0" err="1"/>
+              <a:t>development</a:t>
+            </a:r>
+            <a:r>
+              <a:rPr lang="de-DE" sz="2200" dirty="0"/>
+              <a:t> but still </a:t>
+            </a:r>
+            <a:r>
+              <a:rPr lang="de-DE" sz="2200" dirty="0" err="1"/>
+              <a:t>before</a:t>
+            </a:r>
+            <a:r>
+              <a:rPr lang="de-DE" sz="2200" dirty="0"/>
+              <a:t> </a:t>
+            </a:r>
+            <a:r>
+              <a:rPr lang="de-DE" sz="2200" dirty="0" err="1"/>
+              <a:t>the</a:t>
+            </a:r>
+            <a:r>
+              <a:rPr lang="de-DE" sz="2200" dirty="0"/>
+              <a:t> </a:t>
+            </a:r>
+            <a:r>
+              <a:rPr lang="de-DE" sz="2200" dirty="0" err="1"/>
+              <a:t>first</a:t>
+            </a:r>
+            <a:r>
+              <a:rPr lang="de-DE" sz="2200" dirty="0"/>
+              <a:t> </a:t>
+            </a:r>
+            <a:r>
+              <a:rPr lang="de-DE" sz="2200" dirty="0" err="1"/>
+              <a:t>test</a:t>
+            </a:r>
+            <a:r>
+              <a:rPr lang="de-DE" sz="2200" dirty="0"/>
+              <a:t>, Validation </a:t>
+            </a:r>
+            <a:r>
+              <a:rPr lang="de-DE" sz="2200" dirty="0" err="1"/>
+              <a:t>takes</a:t>
+            </a:r>
+            <a:r>
+              <a:rPr lang="de-DE" sz="2200" dirty="0"/>
+              <a:t> </a:t>
+            </a:r>
+            <a:r>
+              <a:rPr lang="de-DE" sz="2200" dirty="0" err="1"/>
+              <a:t>place</a:t>
+            </a:r>
             <a:r>
               <a:rPr lang="de-DE" sz="2200" dirty="0"/>
               <a:t>. This </a:t>
             </a:r>
             <a:r>
               <a:rPr lang="de-DE" sz="2200" dirty="0" err="1"/>
-              <a:t>document</a:t>
-            </a:r>
-            <a:r>
-              <a:rPr lang="de-DE" sz="2200" dirty="0"/>
-              <a:t> </a:t>
-            </a:r>
-            <a:r>
-              <a:rPr lang="de-DE" sz="2200" dirty="0" err="1"/>
               <a:t>is</a:t>
             </a:r>
             <a:r>
@@ -8139,14 +8232,6 @@
             </a:r>
             <a:r>
               <a:rPr lang="de-DE" sz="2200" dirty="0" err="1"/>
-              <a:t>required</a:t>
-            </a:r>
-            <a:r>
-              <a:rPr lang="de-DE" sz="2200" dirty="0"/>
-              <a:t> </a:t>
-            </a:r>
-            <a:r>
-              <a:rPr lang="de-DE" sz="2200" dirty="0" err="1"/>
               <a:t>to</a:t>
             </a:r>
             <a:r>
@@ -8155,43 +8240,27 @@
             </a:r>
             <a:r>
               <a:rPr lang="de-DE" sz="2200" dirty="0" err="1"/>
-              <a:t>start</a:t>
-            </a:r>
-            <a:r>
-              <a:rPr lang="de-DE" sz="2200" dirty="0"/>
-              <a:t> </a:t>
-            </a:r>
-            <a:r>
-              <a:rPr lang="de-DE" sz="2200" dirty="0" err="1"/>
-              <a:t>developing</a:t>
-            </a:r>
-            <a:r>
-              <a:rPr lang="de-DE" sz="2200" dirty="0"/>
-              <a:t> a </a:t>
-            </a:r>
-            <a:r>
-              <a:rPr lang="de-DE" sz="2200" dirty="0" err="1"/>
-              <a:t>product</a:t>
-            </a:r>
-            <a:r>
-              <a:rPr lang="de-DE" sz="2200" dirty="0"/>
-              <a:t>. After </a:t>
-            </a:r>
-            <a:r>
-              <a:rPr lang="de-DE" sz="2200" dirty="0" err="1"/>
-              <a:t>development</a:t>
-            </a:r>
-            <a:r>
-              <a:rPr lang="de-DE" sz="2200" dirty="0"/>
-              <a:t> but still </a:t>
-            </a:r>
-            <a:r>
-              <a:rPr lang="de-DE" sz="2200" dirty="0" err="1"/>
-              <a:t>before</a:t>
-            </a:r>
-            <a:r>
-              <a:rPr lang="de-DE" sz="2200" dirty="0"/>
-              <a:t> </a:t>
+              <a:t>be</a:t>
+            </a:r>
+            <a:r>
+              <a:rPr lang="de-DE" sz="2200" dirty="0"/>
+              <a:t> </a:t>
+            </a:r>
+            <a:r>
+              <a:rPr lang="de-DE" sz="2200" dirty="0" err="1"/>
+              <a:t>sure</a:t>
+            </a:r>
+            <a:r>
+              <a:rPr lang="de-DE" sz="2200" dirty="0"/>
+              <a:t> </a:t>
+            </a:r>
+            <a:r>
+              <a:rPr lang="de-DE" sz="2200" dirty="0" err="1"/>
+              <a:t>that</a:t>
+            </a:r>
+            <a:r>
+              <a:rPr lang="de-DE" sz="2200" dirty="0"/>
+              <a:t> all </a:t>
             </a:r>
             <a:r>
               <a:rPr lang="de-DE" sz="2200" dirty="0" err="1"/>
@@ -8203,75 +8272,42 @@
             </a:r>
             <a:r>
               <a:rPr lang="de-DE" sz="2200" dirty="0" err="1"/>
-              <a:t>first</a:t>
-            </a:r>
-            <a:r>
-              <a:rPr lang="de-DE" sz="2200" dirty="0"/>
-              <a:t> </a:t>
-            </a:r>
-            <a:r>
-              <a:rPr lang="de-DE" sz="2200" dirty="0" err="1"/>
-              <a:t>test</a:t>
-            </a:r>
-            <a:r>
-              <a:rPr lang="de-DE" sz="2200" dirty="0"/>
-              <a:t>, Validation </a:t>
-            </a:r>
-            <a:r>
-              <a:rPr lang="de-DE" sz="2200" dirty="0" err="1"/>
-              <a:t>takes</a:t>
-            </a:r>
-            <a:r>
-              <a:rPr lang="de-DE" sz="2200" dirty="0"/>
-              <a:t> </a:t>
-            </a:r>
-            <a:r>
-              <a:rPr lang="de-DE" sz="2200" dirty="0" err="1"/>
-              <a:t>place</a:t>
-            </a:r>
-            <a:r>
-              <a:rPr lang="de-DE" sz="2200" dirty="0"/>
-              <a:t>. This </a:t>
-            </a:r>
-            <a:r>
-              <a:rPr lang="de-DE" sz="2200" dirty="0" err="1"/>
-              <a:t>is</a:t>
-            </a:r>
-            <a:r>
-              <a:rPr lang="de-DE" sz="2200" dirty="0"/>
-              <a:t> </a:t>
-            </a:r>
-            <a:r>
-              <a:rPr lang="de-DE" sz="2200" dirty="0" err="1"/>
-              <a:t>to</a:t>
-            </a:r>
-            <a:r>
-              <a:rPr lang="de-DE" sz="2200" dirty="0"/>
-              <a:t> </a:t>
-            </a:r>
-            <a:r>
-              <a:rPr lang="de-DE" sz="2200" dirty="0" err="1"/>
-              <a:t>be</a:t>
-            </a:r>
-            <a:r>
-              <a:rPr lang="de-DE" sz="2200" dirty="0"/>
-              <a:t> </a:t>
-            </a:r>
-            <a:r>
-              <a:rPr lang="de-DE" sz="2200" dirty="0" err="1"/>
-              <a:t>sure</a:t>
-            </a:r>
-            <a:r>
-              <a:rPr lang="de-DE" sz="2200" dirty="0"/>
-              <a:t> </a:t>
-            </a:r>
-            <a:r>
-              <a:rPr lang="de-DE" sz="2200" dirty="0" err="1"/>
-              <a:t>that</a:t>
-            </a:r>
-            <a:r>
-              <a:rPr lang="de-DE" sz="2200" dirty="0"/>
-              <a:t> all </a:t>
+              <a:t>requirements</a:t>
+            </a:r>
+            <a:r>
+              <a:rPr lang="de-DE" sz="2200" dirty="0"/>
+              <a:t> </a:t>
+            </a:r>
+            <a:r>
+              <a:rPr lang="de-DE" sz="2200" dirty="0" err="1"/>
+              <a:t>are</a:t>
+            </a:r>
+            <a:r>
+              <a:rPr lang="de-DE" sz="2200" dirty="0"/>
+              <a:t> </a:t>
+            </a:r>
+            <a:r>
+              <a:rPr lang="de-DE" sz="2200" dirty="0" err="1"/>
+              <a:t>implemented</a:t>
+            </a:r>
+            <a:r>
+              <a:rPr lang="de-DE" sz="2200" dirty="0"/>
+              <a:t>. </a:t>
+            </a:r>
+            <a:endParaRPr lang="de-DE" sz="2200" dirty="0" smtClean="0"/>
+          </a:p>
+          <a:p>
+            <a:r>
+              <a:rPr lang="de-DE" sz="2200" dirty="0" smtClean="0"/>
+              <a:t>After </a:t>
+            </a:r>
+            <a:r>
+              <a:rPr lang="de-DE" sz="2200" dirty="0" err="1"/>
+              <a:t>testing</a:t>
+            </a:r>
+            <a:r>
+              <a:rPr lang="de-DE" sz="2200" dirty="0"/>
+              <a:t> </a:t>
             </a:r>
             <a:r>
               <a:rPr lang="de-DE" sz="2200" dirty="0" err="1"/>
@@ -8283,7 +8319,63 @@
             </a:r>
             <a:r>
               <a:rPr lang="de-DE" sz="2200" dirty="0" err="1"/>
-              <a:t>requirements</a:t>
+              <a:t>initial</a:t>
+            </a:r>
+            <a:r>
+              <a:rPr lang="de-DE" sz="2200" dirty="0"/>
+              <a:t> </a:t>
+            </a:r>
+            <a:r>
+              <a:rPr lang="de-DE" sz="2200" dirty="0" err="1"/>
+              <a:t>version</a:t>
+            </a:r>
+            <a:r>
+              <a:rPr lang="de-DE" sz="2200" dirty="0"/>
+              <a:t> </a:t>
+            </a:r>
+            <a:r>
+              <a:rPr lang="de-DE" sz="2200" dirty="0" err="1"/>
+              <a:t>errors</a:t>
+            </a:r>
+            <a:r>
+              <a:rPr lang="de-DE" sz="2200" dirty="0"/>
+              <a:t> </a:t>
+            </a:r>
+            <a:r>
+              <a:rPr lang="de-DE" sz="2200" dirty="0" err="1"/>
+              <a:t>get</a:t>
+            </a:r>
+            <a:r>
+              <a:rPr lang="de-DE" sz="2200" dirty="0"/>
+              <a:t> </a:t>
+            </a:r>
+            <a:r>
+              <a:rPr lang="de-DE" sz="2200" dirty="0" err="1"/>
+              <a:t>fixed</a:t>
+            </a:r>
+            <a:r>
+              <a:rPr lang="de-DE" sz="2200" dirty="0"/>
+              <a:t> </a:t>
+            </a:r>
+            <a:r>
+              <a:rPr lang="de-DE" sz="2200" dirty="0" err="1"/>
+              <a:t>and</a:t>
+            </a:r>
+            <a:r>
+              <a:rPr lang="de-DE" sz="2200" dirty="0"/>
+              <a:t> </a:t>
+            </a:r>
+            <a:r>
+              <a:rPr lang="de-DE" sz="2200" dirty="0" err="1"/>
+              <a:t>missing</a:t>
+            </a:r>
+            <a:r>
+              <a:rPr lang="de-DE" sz="2200" dirty="0"/>
+              <a:t> </a:t>
+            </a:r>
+            <a:r>
+              <a:rPr lang="de-DE" sz="2200" dirty="0" err="1"/>
+              <a:t>demands</a:t>
             </a:r>
             <a:r>
               <a:rPr lang="de-DE" sz="2200" dirty="0"/>
@@ -8298,108 +8390,26 @@
               <a:t> </a:t>
             </a:r>
             <a:r>
-              <a:rPr lang="de-DE" sz="2200" dirty="0" err="1"/>
-              <a:t>implemented</a:t>
-            </a:r>
-            <a:r>
-              <a:rPr lang="de-DE" sz="2200" dirty="0"/>
-              <a:t>. After </a:t>
-            </a:r>
-            <a:r>
-              <a:rPr lang="de-DE" sz="2200" dirty="0" err="1"/>
-              <a:t>testing</a:t>
-            </a:r>
-            <a:r>
-              <a:rPr lang="de-DE" sz="2200" dirty="0"/>
-              <a:t> </a:t>
-            </a:r>
-            <a:r>
-              <a:rPr lang="de-DE" sz="2200" dirty="0" err="1"/>
-              <a:t>the</a:t>
-            </a:r>
-            <a:r>
-              <a:rPr lang="de-DE" sz="2200" dirty="0"/>
-              <a:t> </a:t>
-            </a:r>
-            <a:r>
-              <a:rPr lang="de-DE" sz="2200" dirty="0" err="1"/>
-              <a:t>initial</a:t>
-            </a:r>
-            <a:r>
-              <a:rPr lang="de-DE" sz="2200" dirty="0"/>
-              <a:t> </a:t>
-            </a:r>
-            <a:r>
-              <a:rPr lang="de-DE" sz="2200" dirty="0" err="1"/>
-              <a:t>version</a:t>
-            </a:r>
-            <a:r>
-              <a:rPr lang="de-DE" sz="2200" dirty="0"/>
-              <a:t> </a:t>
-            </a:r>
-            <a:r>
-              <a:rPr lang="de-DE" sz="2200" dirty="0" err="1"/>
-              <a:t>errors</a:t>
-            </a:r>
-            <a:r>
-              <a:rPr lang="de-DE" sz="2200" dirty="0"/>
-              <a:t> </a:t>
-            </a:r>
-            <a:r>
-              <a:rPr lang="de-DE" sz="2200" dirty="0" err="1"/>
-              <a:t>get</a:t>
-            </a:r>
-            <a:r>
-              <a:rPr lang="de-DE" sz="2200" dirty="0"/>
-              <a:t> </a:t>
-            </a:r>
-            <a:r>
-              <a:rPr lang="de-DE" sz="2200" dirty="0" err="1"/>
-              <a:t>fixed</a:t>
-            </a:r>
-            <a:r>
-              <a:rPr lang="de-DE" sz="2200" dirty="0"/>
-              <a:t> </a:t>
-            </a:r>
-            <a:r>
-              <a:rPr lang="de-DE" sz="2200" dirty="0" err="1"/>
-              <a:t>and</a:t>
-            </a:r>
-            <a:r>
-              <a:rPr lang="de-DE" sz="2200" dirty="0"/>
-              <a:t> </a:t>
-            </a:r>
-            <a:r>
-              <a:rPr lang="de-DE" sz="2200" dirty="0" err="1"/>
-              <a:t>missing</a:t>
-            </a:r>
-            <a:r>
-              <a:rPr lang="de-DE" sz="2200" dirty="0"/>
-              <a:t> </a:t>
-            </a:r>
-            <a:r>
-              <a:rPr lang="de-DE" sz="2200" dirty="0" err="1"/>
-              <a:t>demands</a:t>
-            </a:r>
-            <a:r>
-              <a:rPr lang="de-DE" sz="2200" dirty="0"/>
-              <a:t> </a:t>
-            </a:r>
-            <a:r>
-              <a:rPr lang="de-DE" sz="2200" dirty="0" err="1"/>
-              <a:t>are</a:t>
-            </a:r>
-            <a:r>
-              <a:rPr lang="de-DE" sz="2200" dirty="0"/>
-              <a:t> </a:t>
-            </a:r>
-            <a:r>
-              <a:rPr lang="de-DE" sz="2200" dirty="0" err="1"/>
-              <a:t>added.The</a:t>
-            </a:r>
-            <a:r>
-              <a:rPr lang="de-DE" sz="2200" dirty="0"/>
-              <a:t> final </a:t>
+              <a:rPr lang="de-DE" sz="2200" dirty="0" err="1" smtClean="0"/>
+              <a:t>added</a:t>
+            </a:r>
+            <a:r>
+              <a:rPr lang="de-DE" sz="2200" dirty="0" smtClean="0"/>
+              <a:t>.</a:t>
+            </a:r>
+          </a:p>
+          <a:p>
+            <a:r>
+              <a:rPr lang="de-DE" sz="2200" dirty="0" smtClean="0"/>
+              <a:t>T</a:t>
+            </a:r>
+            <a:r>
+              <a:rPr lang="de-DE" sz="2200" dirty="0" smtClean="0"/>
+              <a:t>he </a:t>
+            </a:r>
+            <a:r>
+              <a:rPr lang="de-DE" sz="2200" dirty="0"/>
+              <a:t>final </a:t>
             </a:r>
             <a:r>
               <a:rPr lang="de-DE" sz="2200" dirty="0" err="1"/>

--- a/ch.bfh.btx8081.w2013.red/doc/PraesentationSETaskII_BFH_2013.pptx
+++ b/ch.bfh.btx8081.w2013.red/doc/PraesentationSETaskII_BFH_2013.pptx
@@ -6674,6 +6674,47 @@
               <a:rPr lang="de-CH" b="1" dirty="0" err="1" smtClean="0"/>
               <a:t>Red</a:t>
             </a:r>
+            <a:endParaRPr lang="de-CH" b="1" dirty="0"/>
+          </a:p>
+          <a:p>
+            <a:r>
+              <a:rPr lang="de-CH" b="1" dirty="0"/>
+              <a:t>Ivan Wissler, Patrizia Zehnder, Faton </a:t>
+            </a:r>
+            <a:r>
+              <a:rPr lang="de-CH" b="1" dirty="0" err="1"/>
+              <a:t>Shabanaj</a:t>
+            </a:r>
+            <a:r>
+              <a:rPr lang="de-CH" b="1" dirty="0"/>
+              <a:t>, </a:t>
+            </a:r>
+            <a:r>
+              <a:rPr lang="de-DE" b="1" dirty="0" err="1"/>
+              <a:t>Sviatlana</a:t>
+            </a:r>
+            <a:r>
+              <a:rPr lang="de-DE" b="1" dirty="0"/>
+              <a:t> </a:t>
+            </a:r>
+            <a:r>
+              <a:rPr lang="de-DE" b="1" dirty="0" err="1"/>
+              <a:t>Sianko</a:t>
+            </a:r>
+            <a:r>
+              <a:rPr lang="de-DE" b="1" dirty="0"/>
+              <a:t>, Ranjit </a:t>
+            </a:r>
+            <a:r>
+              <a:rPr lang="de-DE" b="1" dirty="0" err="1"/>
+              <a:t>Kalarickamakel</a:t>
+            </a:r>
+            <a:r>
+              <a:rPr lang="de-DE" b="1"/>
+              <a:t> und Michael Heeb</a:t>
+            </a:r>
+          </a:p>
+          <a:p>
             <a:endParaRPr lang="de-DE" b="1" dirty="0"/>
           </a:p>
           <a:p>
@@ -8401,11 +8442,7 @@
           <a:p>
             <a:r>
               <a:rPr lang="de-DE" sz="2200" dirty="0" smtClean="0"/>
-              <a:t>T</a:t>
-            </a:r>
-            <a:r>
-              <a:rPr lang="de-DE" sz="2200" dirty="0" smtClean="0"/>
-              <a:t>he </a:t>
+              <a:t>The </a:t>
             </a:r>
             <a:r>
               <a:rPr lang="de-DE" sz="2200" dirty="0"/>
